--- a/ppt 16-9/0701.罪孽不能进天堂.pptx
+++ b/ppt 16-9/0701.罪孽不能进天堂.pptx
@@ -129,7 +129,7 @@
           <p:cNvPr id="2" name="标题 1">
             <a:extLst>
               <a:ext uri="{FF2B5EF4-FFF2-40B4-BE49-F238E27FC236}">
-                <a16:creationId xmlns:a16="http://schemas.microsoft.com/office/drawing/2014/main" id="{8A42207B-BE8B-9D86-D531-289DCE14D370}"/>
+                <a16:creationId xmlns:a16="http://schemas.microsoft.com/office/drawing/2014/main" id="{EA9B1748-CDF1-03A6-1D8B-3E16FBB9CD2C}"/>
               </a:ext>
             </a:extLst>
           </p:cNvPr>
@@ -166,7 +166,7 @@
           <p:cNvPr id="3" name="副标题 2">
             <a:extLst>
               <a:ext uri="{FF2B5EF4-FFF2-40B4-BE49-F238E27FC236}">
-                <a16:creationId xmlns:a16="http://schemas.microsoft.com/office/drawing/2014/main" id="{D6EB2F70-7FFB-C75F-16F5-E3D9F528A6D8}"/>
+                <a16:creationId xmlns:a16="http://schemas.microsoft.com/office/drawing/2014/main" id="{7A3757B9-6243-4D30-6AE1-6AB3BC68A29E}"/>
               </a:ext>
             </a:extLst>
           </p:cNvPr>
@@ -236,7 +236,7 @@
           <p:cNvPr id="4" name="日期占位符 3">
             <a:extLst>
               <a:ext uri="{FF2B5EF4-FFF2-40B4-BE49-F238E27FC236}">
-                <a16:creationId xmlns:a16="http://schemas.microsoft.com/office/drawing/2014/main" id="{161119B5-6DA2-9DDD-02C0-BA3EA924200D}"/>
+                <a16:creationId xmlns:a16="http://schemas.microsoft.com/office/drawing/2014/main" id="{1E8E56A8-A370-217F-8C5A-96CD5DA5612A}"/>
               </a:ext>
             </a:extLst>
           </p:cNvPr>
@@ -252,7 +252,7 @@
           <a:bodyPr/>
           <a:lstStyle/>
           <a:p>
-            <a:fld id="{27B41A6C-3389-4955-A1BD-EB655B8EADE2}" type="datetimeFigureOut">
+            <a:fld id="{A10F2EDF-836E-4870-B06D-7D9B295EE696}" type="datetimeFigureOut">
               <a:rPr lang="zh-CN" altLang="en-US" smtClean="0"/>
               <a:t>2024/3/10</a:t>
             </a:fld>
@@ -265,7 +265,7 @@
           <p:cNvPr id="5" name="页脚占位符 4">
             <a:extLst>
               <a:ext uri="{FF2B5EF4-FFF2-40B4-BE49-F238E27FC236}">
-                <a16:creationId xmlns:a16="http://schemas.microsoft.com/office/drawing/2014/main" id="{ACD0568F-852C-BF17-6C7B-8BCFD87A6603}"/>
+                <a16:creationId xmlns:a16="http://schemas.microsoft.com/office/drawing/2014/main" id="{16E1A8A8-22F1-D477-7DD0-1428D7B64FFF}"/>
               </a:ext>
             </a:extLst>
           </p:cNvPr>
@@ -290,7 +290,7 @@
           <p:cNvPr id="6" name="灯片编号占位符 5">
             <a:extLst>
               <a:ext uri="{FF2B5EF4-FFF2-40B4-BE49-F238E27FC236}">
-                <a16:creationId xmlns:a16="http://schemas.microsoft.com/office/drawing/2014/main" id="{1949EF14-1175-3E45-8C1A-878ED45696BB}"/>
+                <a16:creationId xmlns:a16="http://schemas.microsoft.com/office/drawing/2014/main" id="{FB5AE874-CFDE-0383-4D1C-E57F24E5F606}"/>
               </a:ext>
             </a:extLst>
           </p:cNvPr>
@@ -306,7 +306,7 @@
           <a:bodyPr/>
           <a:lstStyle/>
           <a:p>
-            <a:fld id="{3F7A0394-FAE5-44B0-90EB-4788D6D368E5}" type="slidenum">
+            <a:fld id="{F1EAE4AF-1E6F-431A-BB04-AEC22996E8EF}" type="slidenum">
               <a:rPr lang="zh-CN" altLang="en-US" smtClean="0"/>
               <a:t>‹#›</a:t>
             </a:fld>
@@ -317,7 +317,7 @@
     </p:spTree>
     <p:extLst>
       <p:ext uri="{BB962C8B-B14F-4D97-AF65-F5344CB8AC3E}">
-        <p14:creationId xmlns:p14="http://schemas.microsoft.com/office/powerpoint/2010/main" val="4047418084"/>
+        <p14:creationId xmlns:p14="http://schemas.microsoft.com/office/powerpoint/2010/main" val="4293687580"/>
       </p:ext>
     </p:extLst>
   </p:cSld>
@@ -349,7 +349,7 @@
           <p:cNvPr id="2" name="标题 1">
             <a:extLst>
               <a:ext uri="{FF2B5EF4-FFF2-40B4-BE49-F238E27FC236}">
-                <a16:creationId xmlns:a16="http://schemas.microsoft.com/office/drawing/2014/main" id="{D76C3052-231D-296F-3C01-713522D6264A}"/>
+                <a16:creationId xmlns:a16="http://schemas.microsoft.com/office/drawing/2014/main" id="{ABC120CA-5E83-29CF-7276-B87187A09BAC}"/>
               </a:ext>
             </a:extLst>
           </p:cNvPr>
@@ -377,7 +377,7 @@
           <p:cNvPr id="3" name="竖排文字占位符 2">
             <a:extLst>
               <a:ext uri="{FF2B5EF4-FFF2-40B4-BE49-F238E27FC236}">
-                <a16:creationId xmlns:a16="http://schemas.microsoft.com/office/drawing/2014/main" id="{E2641FBD-B409-5647-4C45-DDC3925220D5}"/>
+                <a16:creationId xmlns:a16="http://schemas.microsoft.com/office/drawing/2014/main" id="{E5D8322D-E476-1805-825A-4E7EDB8A39D0}"/>
               </a:ext>
             </a:extLst>
           </p:cNvPr>
@@ -434,7 +434,7 @@
           <p:cNvPr id="4" name="日期占位符 3">
             <a:extLst>
               <a:ext uri="{FF2B5EF4-FFF2-40B4-BE49-F238E27FC236}">
-                <a16:creationId xmlns:a16="http://schemas.microsoft.com/office/drawing/2014/main" id="{71566220-E51C-3B2C-4038-B176C56433C8}"/>
+                <a16:creationId xmlns:a16="http://schemas.microsoft.com/office/drawing/2014/main" id="{EB48EB64-DF2C-2B5F-47D1-BDAAE726D133}"/>
               </a:ext>
             </a:extLst>
           </p:cNvPr>
@@ -450,7 +450,7 @@
           <a:bodyPr/>
           <a:lstStyle/>
           <a:p>
-            <a:fld id="{27B41A6C-3389-4955-A1BD-EB655B8EADE2}" type="datetimeFigureOut">
+            <a:fld id="{A10F2EDF-836E-4870-B06D-7D9B295EE696}" type="datetimeFigureOut">
               <a:rPr lang="zh-CN" altLang="en-US" smtClean="0"/>
               <a:t>2024/3/10</a:t>
             </a:fld>
@@ -463,7 +463,7 @@
           <p:cNvPr id="5" name="页脚占位符 4">
             <a:extLst>
               <a:ext uri="{FF2B5EF4-FFF2-40B4-BE49-F238E27FC236}">
-                <a16:creationId xmlns:a16="http://schemas.microsoft.com/office/drawing/2014/main" id="{699382D8-E382-D29A-89BC-1F49A70F71EE}"/>
+                <a16:creationId xmlns:a16="http://schemas.microsoft.com/office/drawing/2014/main" id="{D5EB47A0-1486-C5E4-0CF6-EFD550F31A4D}"/>
               </a:ext>
             </a:extLst>
           </p:cNvPr>
@@ -488,7 +488,7 @@
           <p:cNvPr id="6" name="灯片编号占位符 5">
             <a:extLst>
               <a:ext uri="{FF2B5EF4-FFF2-40B4-BE49-F238E27FC236}">
-                <a16:creationId xmlns:a16="http://schemas.microsoft.com/office/drawing/2014/main" id="{8126218A-CBB2-3AE6-892D-8A5BFB56CCE5}"/>
+                <a16:creationId xmlns:a16="http://schemas.microsoft.com/office/drawing/2014/main" id="{64E68EDF-802A-D4C4-485A-996D4F14B695}"/>
               </a:ext>
             </a:extLst>
           </p:cNvPr>
@@ -504,7 +504,7 @@
           <a:bodyPr/>
           <a:lstStyle/>
           <a:p>
-            <a:fld id="{3F7A0394-FAE5-44B0-90EB-4788D6D368E5}" type="slidenum">
+            <a:fld id="{F1EAE4AF-1E6F-431A-BB04-AEC22996E8EF}" type="slidenum">
               <a:rPr lang="zh-CN" altLang="en-US" smtClean="0"/>
               <a:t>‹#›</a:t>
             </a:fld>
@@ -515,7 +515,7 @@
     </p:spTree>
     <p:extLst>
       <p:ext uri="{BB962C8B-B14F-4D97-AF65-F5344CB8AC3E}">
-        <p14:creationId xmlns:p14="http://schemas.microsoft.com/office/powerpoint/2010/main" val="3167322691"/>
+        <p14:creationId xmlns:p14="http://schemas.microsoft.com/office/powerpoint/2010/main" val="3129451472"/>
       </p:ext>
     </p:extLst>
   </p:cSld>
@@ -547,7 +547,7 @@
           <p:cNvPr id="2" name="竖排标题 1">
             <a:extLst>
               <a:ext uri="{FF2B5EF4-FFF2-40B4-BE49-F238E27FC236}">
-                <a16:creationId xmlns:a16="http://schemas.microsoft.com/office/drawing/2014/main" id="{765E0142-48B5-A8CA-5D5D-F0FD5E76EF29}"/>
+                <a16:creationId xmlns:a16="http://schemas.microsoft.com/office/drawing/2014/main" id="{82845936-45DA-17BA-F14C-ADA31F148BC7}"/>
               </a:ext>
             </a:extLst>
           </p:cNvPr>
@@ -580,7 +580,7 @@
           <p:cNvPr id="3" name="竖排文字占位符 2">
             <a:extLst>
               <a:ext uri="{FF2B5EF4-FFF2-40B4-BE49-F238E27FC236}">
-                <a16:creationId xmlns:a16="http://schemas.microsoft.com/office/drawing/2014/main" id="{392706D6-94F1-A6EE-E0D3-E8B59433FFEB}"/>
+                <a16:creationId xmlns:a16="http://schemas.microsoft.com/office/drawing/2014/main" id="{B86EB996-6D5A-4F1B-D383-3A933085C63A}"/>
               </a:ext>
             </a:extLst>
           </p:cNvPr>
@@ -642,7 +642,7 @@
           <p:cNvPr id="4" name="日期占位符 3">
             <a:extLst>
               <a:ext uri="{FF2B5EF4-FFF2-40B4-BE49-F238E27FC236}">
-                <a16:creationId xmlns:a16="http://schemas.microsoft.com/office/drawing/2014/main" id="{DBBB1077-7FDA-62A4-0105-3A17C336F94B}"/>
+                <a16:creationId xmlns:a16="http://schemas.microsoft.com/office/drawing/2014/main" id="{6ECC0B92-AAA4-D36E-B1DE-34174D66FA63}"/>
               </a:ext>
             </a:extLst>
           </p:cNvPr>
@@ -658,7 +658,7 @@
           <a:bodyPr/>
           <a:lstStyle/>
           <a:p>
-            <a:fld id="{27B41A6C-3389-4955-A1BD-EB655B8EADE2}" type="datetimeFigureOut">
+            <a:fld id="{A10F2EDF-836E-4870-B06D-7D9B295EE696}" type="datetimeFigureOut">
               <a:rPr lang="zh-CN" altLang="en-US" smtClean="0"/>
               <a:t>2024/3/10</a:t>
             </a:fld>
@@ -671,7 +671,7 @@
           <p:cNvPr id="5" name="页脚占位符 4">
             <a:extLst>
               <a:ext uri="{FF2B5EF4-FFF2-40B4-BE49-F238E27FC236}">
-                <a16:creationId xmlns:a16="http://schemas.microsoft.com/office/drawing/2014/main" id="{0E8C777D-F6FA-B750-F585-6705C017AD7E}"/>
+                <a16:creationId xmlns:a16="http://schemas.microsoft.com/office/drawing/2014/main" id="{581E4A88-4DF6-F61F-5109-9DCF7C8F9092}"/>
               </a:ext>
             </a:extLst>
           </p:cNvPr>
@@ -696,7 +696,7 @@
           <p:cNvPr id="6" name="灯片编号占位符 5">
             <a:extLst>
               <a:ext uri="{FF2B5EF4-FFF2-40B4-BE49-F238E27FC236}">
-                <a16:creationId xmlns:a16="http://schemas.microsoft.com/office/drawing/2014/main" id="{4E26BD6D-EE56-D025-6770-1C712599E329}"/>
+                <a16:creationId xmlns:a16="http://schemas.microsoft.com/office/drawing/2014/main" id="{C2E1BB0E-4142-D158-3C93-BA6FBC383A2E}"/>
               </a:ext>
             </a:extLst>
           </p:cNvPr>
@@ -712,7 +712,7 @@
           <a:bodyPr/>
           <a:lstStyle/>
           <a:p>
-            <a:fld id="{3F7A0394-FAE5-44B0-90EB-4788D6D368E5}" type="slidenum">
+            <a:fld id="{F1EAE4AF-1E6F-431A-BB04-AEC22996E8EF}" type="slidenum">
               <a:rPr lang="zh-CN" altLang="en-US" smtClean="0"/>
               <a:t>‹#›</a:t>
             </a:fld>
@@ -723,7 +723,7 @@
     </p:spTree>
     <p:extLst>
       <p:ext uri="{BB962C8B-B14F-4D97-AF65-F5344CB8AC3E}">
-        <p14:creationId xmlns:p14="http://schemas.microsoft.com/office/powerpoint/2010/main" val="149570170"/>
+        <p14:creationId xmlns:p14="http://schemas.microsoft.com/office/powerpoint/2010/main" val="1341844605"/>
       </p:ext>
     </p:extLst>
   </p:cSld>
@@ -755,7 +755,7 @@
           <p:cNvPr id="2" name="标题 1">
             <a:extLst>
               <a:ext uri="{FF2B5EF4-FFF2-40B4-BE49-F238E27FC236}">
-                <a16:creationId xmlns:a16="http://schemas.microsoft.com/office/drawing/2014/main" id="{F560697C-347D-986B-13EC-097ACABF494B}"/>
+                <a16:creationId xmlns:a16="http://schemas.microsoft.com/office/drawing/2014/main" id="{F1DE21E2-4222-579D-014D-740BE2627F1A}"/>
               </a:ext>
             </a:extLst>
           </p:cNvPr>
@@ -783,7 +783,7 @@
           <p:cNvPr id="3" name="内容占位符 2">
             <a:extLst>
               <a:ext uri="{FF2B5EF4-FFF2-40B4-BE49-F238E27FC236}">
-                <a16:creationId xmlns:a16="http://schemas.microsoft.com/office/drawing/2014/main" id="{0586D282-E6E6-D17D-FD28-65F21530FA3F}"/>
+                <a16:creationId xmlns:a16="http://schemas.microsoft.com/office/drawing/2014/main" id="{C4D6CF69-1E67-C406-7FA7-687B6EA527AE}"/>
               </a:ext>
             </a:extLst>
           </p:cNvPr>
@@ -840,7 +840,7 @@
           <p:cNvPr id="4" name="日期占位符 3">
             <a:extLst>
               <a:ext uri="{FF2B5EF4-FFF2-40B4-BE49-F238E27FC236}">
-                <a16:creationId xmlns:a16="http://schemas.microsoft.com/office/drawing/2014/main" id="{6C818461-8649-EFB7-7F72-593EC4EA2BBA}"/>
+                <a16:creationId xmlns:a16="http://schemas.microsoft.com/office/drawing/2014/main" id="{40E1A9C6-E3BD-661D-F671-660148877F40}"/>
               </a:ext>
             </a:extLst>
           </p:cNvPr>
@@ -856,7 +856,7 @@
           <a:bodyPr/>
           <a:lstStyle/>
           <a:p>
-            <a:fld id="{27B41A6C-3389-4955-A1BD-EB655B8EADE2}" type="datetimeFigureOut">
+            <a:fld id="{A10F2EDF-836E-4870-B06D-7D9B295EE696}" type="datetimeFigureOut">
               <a:rPr lang="zh-CN" altLang="en-US" smtClean="0"/>
               <a:t>2024/3/10</a:t>
             </a:fld>
@@ -869,7 +869,7 @@
           <p:cNvPr id="5" name="页脚占位符 4">
             <a:extLst>
               <a:ext uri="{FF2B5EF4-FFF2-40B4-BE49-F238E27FC236}">
-                <a16:creationId xmlns:a16="http://schemas.microsoft.com/office/drawing/2014/main" id="{075187DE-F9EA-B015-C20F-BE9AE4C564E5}"/>
+                <a16:creationId xmlns:a16="http://schemas.microsoft.com/office/drawing/2014/main" id="{C0BF7652-749F-7F5D-23A7-9CB2B3773713}"/>
               </a:ext>
             </a:extLst>
           </p:cNvPr>
@@ -894,7 +894,7 @@
           <p:cNvPr id="6" name="灯片编号占位符 5">
             <a:extLst>
               <a:ext uri="{FF2B5EF4-FFF2-40B4-BE49-F238E27FC236}">
-                <a16:creationId xmlns:a16="http://schemas.microsoft.com/office/drawing/2014/main" id="{6ED8CFF2-3D1D-15DF-C1EF-154B73C97BCD}"/>
+                <a16:creationId xmlns:a16="http://schemas.microsoft.com/office/drawing/2014/main" id="{D01C21EB-D566-6EEC-DB59-D931D23F4E4A}"/>
               </a:ext>
             </a:extLst>
           </p:cNvPr>
@@ -910,7 +910,7 @@
           <a:bodyPr/>
           <a:lstStyle/>
           <a:p>
-            <a:fld id="{3F7A0394-FAE5-44B0-90EB-4788D6D368E5}" type="slidenum">
+            <a:fld id="{F1EAE4AF-1E6F-431A-BB04-AEC22996E8EF}" type="slidenum">
               <a:rPr lang="zh-CN" altLang="en-US" smtClean="0"/>
               <a:t>‹#›</a:t>
             </a:fld>
@@ -921,7 +921,7 @@
     </p:spTree>
     <p:extLst>
       <p:ext uri="{BB962C8B-B14F-4D97-AF65-F5344CB8AC3E}">
-        <p14:creationId xmlns:p14="http://schemas.microsoft.com/office/powerpoint/2010/main" val="1095609317"/>
+        <p14:creationId xmlns:p14="http://schemas.microsoft.com/office/powerpoint/2010/main" val="269615287"/>
       </p:ext>
     </p:extLst>
   </p:cSld>
@@ -953,7 +953,7 @@
           <p:cNvPr id="2" name="标题 1">
             <a:extLst>
               <a:ext uri="{FF2B5EF4-FFF2-40B4-BE49-F238E27FC236}">
-                <a16:creationId xmlns:a16="http://schemas.microsoft.com/office/drawing/2014/main" id="{DE1BBCD9-284E-17F3-BBCB-2AE2D5ECE553}"/>
+                <a16:creationId xmlns:a16="http://schemas.microsoft.com/office/drawing/2014/main" id="{2D69D818-D05C-88A1-E84D-D08580595BAB}"/>
               </a:ext>
             </a:extLst>
           </p:cNvPr>
@@ -990,7 +990,7 @@
           <p:cNvPr id="3" name="文本占位符 2">
             <a:extLst>
               <a:ext uri="{FF2B5EF4-FFF2-40B4-BE49-F238E27FC236}">
-                <a16:creationId xmlns:a16="http://schemas.microsoft.com/office/drawing/2014/main" id="{6252B2BC-E0F8-13C4-7206-ECFC9C05620B}"/>
+                <a16:creationId xmlns:a16="http://schemas.microsoft.com/office/drawing/2014/main" id="{CB7722BA-A3A7-F166-3E34-CE8338E878A9}"/>
               </a:ext>
             </a:extLst>
           </p:cNvPr>
@@ -1115,7 +1115,7 @@
           <p:cNvPr id="4" name="日期占位符 3">
             <a:extLst>
               <a:ext uri="{FF2B5EF4-FFF2-40B4-BE49-F238E27FC236}">
-                <a16:creationId xmlns:a16="http://schemas.microsoft.com/office/drawing/2014/main" id="{A78D14CD-A020-7476-B34E-64D14C52EB4A}"/>
+                <a16:creationId xmlns:a16="http://schemas.microsoft.com/office/drawing/2014/main" id="{4BB9058D-5886-6B79-5C2B-F89623830519}"/>
               </a:ext>
             </a:extLst>
           </p:cNvPr>
@@ -1131,7 +1131,7 @@
           <a:bodyPr/>
           <a:lstStyle/>
           <a:p>
-            <a:fld id="{27B41A6C-3389-4955-A1BD-EB655B8EADE2}" type="datetimeFigureOut">
+            <a:fld id="{A10F2EDF-836E-4870-B06D-7D9B295EE696}" type="datetimeFigureOut">
               <a:rPr lang="zh-CN" altLang="en-US" smtClean="0"/>
               <a:t>2024/3/10</a:t>
             </a:fld>
@@ -1144,7 +1144,7 @@
           <p:cNvPr id="5" name="页脚占位符 4">
             <a:extLst>
               <a:ext uri="{FF2B5EF4-FFF2-40B4-BE49-F238E27FC236}">
-                <a16:creationId xmlns:a16="http://schemas.microsoft.com/office/drawing/2014/main" id="{EB634952-74F4-575A-47CA-82B388D04408}"/>
+                <a16:creationId xmlns:a16="http://schemas.microsoft.com/office/drawing/2014/main" id="{A9027240-44C6-6A44-9871-8C899104F2E0}"/>
               </a:ext>
             </a:extLst>
           </p:cNvPr>
@@ -1169,7 +1169,7 @@
           <p:cNvPr id="6" name="灯片编号占位符 5">
             <a:extLst>
               <a:ext uri="{FF2B5EF4-FFF2-40B4-BE49-F238E27FC236}">
-                <a16:creationId xmlns:a16="http://schemas.microsoft.com/office/drawing/2014/main" id="{7EAE5C90-0E68-5B8F-F07D-C55D17E6D617}"/>
+                <a16:creationId xmlns:a16="http://schemas.microsoft.com/office/drawing/2014/main" id="{57C33EC5-D18A-4BFF-475E-948D5E8DF7A2}"/>
               </a:ext>
             </a:extLst>
           </p:cNvPr>
@@ -1185,7 +1185,7 @@
           <a:bodyPr/>
           <a:lstStyle/>
           <a:p>
-            <a:fld id="{3F7A0394-FAE5-44B0-90EB-4788D6D368E5}" type="slidenum">
+            <a:fld id="{F1EAE4AF-1E6F-431A-BB04-AEC22996E8EF}" type="slidenum">
               <a:rPr lang="zh-CN" altLang="en-US" smtClean="0"/>
               <a:t>‹#›</a:t>
             </a:fld>
@@ -1196,7 +1196,7 @@
     </p:spTree>
     <p:extLst>
       <p:ext uri="{BB962C8B-B14F-4D97-AF65-F5344CB8AC3E}">
-        <p14:creationId xmlns:p14="http://schemas.microsoft.com/office/powerpoint/2010/main" val="4188509482"/>
+        <p14:creationId xmlns:p14="http://schemas.microsoft.com/office/powerpoint/2010/main" val="3516593066"/>
       </p:ext>
     </p:extLst>
   </p:cSld>
@@ -1228,7 +1228,7 @@
           <p:cNvPr id="2" name="标题 1">
             <a:extLst>
               <a:ext uri="{FF2B5EF4-FFF2-40B4-BE49-F238E27FC236}">
-                <a16:creationId xmlns:a16="http://schemas.microsoft.com/office/drawing/2014/main" id="{12635CBB-D176-0CC6-FDE3-B0D9F643A657}"/>
+                <a16:creationId xmlns:a16="http://schemas.microsoft.com/office/drawing/2014/main" id="{1387D6D6-9558-0EE8-B2A8-E43E890D6C1E}"/>
               </a:ext>
             </a:extLst>
           </p:cNvPr>
@@ -1256,7 +1256,7 @@
           <p:cNvPr id="3" name="内容占位符 2">
             <a:extLst>
               <a:ext uri="{FF2B5EF4-FFF2-40B4-BE49-F238E27FC236}">
-                <a16:creationId xmlns:a16="http://schemas.microsoft.com/office/drawing/2014/main" id="{2C47D2D6-FB01-4E8A-45C2-97B2AD10644B}"/>
+                <a16:creationId xmlns:a16="http://schemas.microsoft.com/office/drawing/2014/main" id="{A3989AAF-61D2-7BA9-CEA4-0403D6C88DD1}"/>
               </a:ext>
             </a:extLst>
           </p:cNvPr>
@@ -1318,7 +1318,7 @@
           <p:cNvPr id="4" name="内容占位符 3">
             <a:extLst>
               <a:ext uri="{FF2B5EF4-FFF2-40B4-BE49-F238E27FC236}">
-                <a16:creationId xmlns:a16="http://schemas.microsoft.com/office/drawing/2014/main" id="{6FB78FC4-13BA-D7A4-1047-4F6C151BF0F6}"/>
+                <a16:creationId xmlns:a16="http://schemas.microsoft.com/office/drawing/2014/main" id="{2D42E96C-2645-91BE-A49F-DA71EFBBE5AB}"/>
               </a:ext>
             </a:extLst>
           </p:cNvPr>
@@ -1380,7 +1380,7 @@
           <p:cNvPr id="5" name="日期占位符 4">
             <a:extLst>
               <a:ext uri="{FF2B5EF4-FFF2-40B4-BE49-F238E27FC236}">
-                <a16:creationId xmlns:a16="http://schemas.microsoft.com/office/drawing/2014/main" id="{80E3A634-A1B6-7F07-A705-1F4A2E87E36C}"/>
+                <a16:creationId xmlns:a16="http://schemas.microsoft.com/office/drawing/2014/main" id="{062CD49A-6581-E2B5-0FDF-4AF9130D632C}"/>
               </a:ext>
             </a:extLst>
           </p:cNvPr>
@@ -1396,7 +1396,7 @@
           <a:bodyPr/>
           <a:lstStyle/>
           <a:p>
-            <a:fld id="{27B41A6C-3389-4955-A1BD-EB655B8EADE2}" type="datetimeFigureOut">
+            <a:fld id="{A10F2EDF-836E-4870-B06D-7D9B295EE696}" type="datetimeFigureOut">
               <a:rPr lang="zh-CN" altLang="en-US" smtClean="0"/>
               <a:t>2024/3/10</a:t>
             </a:fld>
@@ -1409,7 +1409,7 @@
           <p:cNvPr id="6" name="页脚占位符 5">
             <a:extLst>
               <a:ext uri="{FF2B5EF4-FFF2-40B4-BE49-F238E27FC236}">
-                <a16:creationId xmlns:a16="http://schemas.microsoft.com/office/drawing/2014/main" id="{88D8D6CD-25CC-FEC7-ED6F-1AE454D6A04B}"/>
+                <a16:creationId xmlns:a16="http://schemas.microsoft.com/office/drawing/2014/main" id="{C253D181-80CF-AEE5-4944-D198517A61F7}"/>
               </a:ext>
             </a:extLst>
           </p:cNvPr>
@@ -1434,7 +1434,7 @@
           <p:cNvPr id="7" name="灯片编号占位符 6">
             <a:extLst>
               <a:ext uri="{FF2B5EF4-FFF2-40B4-BE49-F238E27FC236}">
-                <a16:creationId xmlns:a16="http://schemas.microsoft.com/office/drawing/2014/main" id="{B426360C-1C45-C5CE-DD70-C87A09A7F953}"/>
+                <a16:creationId xmlns:a16="http://schemas.microsoft.com/office/drawing/2014/main" id="{C0B345F3-A3A3-6A1A-BF78-9F14F08184B7}"/>
               </a:ext>
             </a:extLst>
           </p:cNvPr>
@@ -1450,7 +1450,7 @@
           <a:bodyPr/>
           <a:lstStyle/>
           <a:p>
-            <a:fld id="{3F7A0394-FAE5-44B0-90EB-4788D6D368E5}" type="slidenum">
+            <a:fld id="{F1EAE4AF-1E6F-431A-BB04-AEC22996E8EF}" type="slidenum">
               <a:rPr lang="zh-CN" altLang="en-US" smtClean="0"/>
               <a:t>‹#›</a:t>
             </a:fld>
@@ -1461,7 +1461,7 @@
     </p:spTree>
     <p:extLst>
       <p:ext uri="{BB962C8B-B14F-4D97-AF65-F5344CB8AC3E}">
-        <p14:creationId xmlns:p14="http://schemas.microsoft.com/office/powerpoint/2010/main" val="3901983858"/>
+        <p14:creationId xmlns:p14="http://schemas.microsoft.com/office/powerpoint/2010/main" val="308454338"/>
       </p:ext>
     </p:extLst>
   </p:cSld>
@@ -1493,7 +1493,7 @@
           <p:cNvPr id="2" name="标题 1">
             <a:extLst>
               <a:ext uri="{FF2B5EF4-FFF2-40B4-BE49-F238E27FC236}">
-                <a16:creationId xmlns:a16="http://schemas.microsoft.com/office/drawing/2014/main" id="{292180B9-EEED-7EE1-5BA6-53903FB7BE4A}"/>
+                <a16:creationId xmlns:a16="http://schemas.microsoft.com/office/drawing/2014/main" id="{00F6DE11-DC79-8B21-3CD8-A37AAF211BA2}"/>
               </a:ext>
             </a:extLst>
           </p:cNvPr>
@@ -1526,7 +1526,7 @@
           <p:cNvPr id="3" name="文本占位符 2">
             <a:extLst>
               <a:ext uri="{FF2B5EF4-FFF2-40B4-BE49-F238E27FC236}">
-                <a16:creationId xmlns:a16="http://schemas.microsoft.com/office/drawing/2014/main" id="{EEEA3EB3-ABBA-128B-7077-D5D170D90014}"/>
+                <a16:creationId xmlns:a16="http://schemas.microsoft.com/office/drawing/2014/main" id="{0F6CE290-088D-7AAC-6BC8-F740ED5F24FD}"/>
               </a:ext>
             </a:extLst>
           </p:cNvPr>
@@ -1597,7 +1597,7 @@
           <p:cNvPr id="4" name="内容占位符 3">
             <a:extLst>
               <a:ext uri="{FF2B5EF4-FFF2-40B4-BE49-F238E27FC236}">
-                <a16:creationId xmlns:a16="http://schemas.microsoft.com/office/drawing/2014/main" id="{19E86BED-FB33-0691-F856-E1D7BA6BFD3A}"/>
+                <a16:creationId xmlns:a16="http://schemas.microsoft.com/office/drawing/2014/main" id="{AA48AD36-475D-0E62-3DFA-7900C58C8415}"/>
               </a:ext>
             </a:extLst>
           </p:cNvPr>
@@ -1659,7 +1659,7 @@
           <p:cNvPr id="5" name="文本占位符 4">
             <a:extLst>
               <a:ext uri="{FF2B5EF4-FFF2-40B4-BE49-F238E27FC236}">
-                <a16:creationId xmlns:a16="http://schemas.microsoft.com/office/drawing/2014/main" id="{04679A67-B52E-8F58-618A-23B5DEB63E69}"/>
+                <a16:creationId xmlns:a16="http://schemas.microsoft.com/office/drawing/2014/main" id="{E8C96CD8-E185-3549-627F-57B33D02FF8D}"/>
               </a:ext>
             </a:extLst>
           </p:cNvPr>
@@ -1730,7 +1730,7 @@
           <p:cNvPr id="6" name="内容占位符 5">
             <a:extLst>
               <a:ext uri="{FF2B5EF4-FFF2-40B4-BE49-F238E27FC236}">
-                <a16:creationId xmlns:a16="http://schemas.microsoft.com/office/drawing/2014/main" id="{7652B01C-171F-14A4-66F6-78A7247AF140}"/>
+                <a16:creationId xmlns:a16="http://schemas.microsoft.com/office/drawing/2014/main" id="{067F6AC6-58AC-E8F0-5C87-7326D869CDFD}"/>
               </a:ext>
             </a:extLst>
           </p:cNvPr>
@@ -1792,7 +1792,7 @@
           <p:cNvPr id="7" name="日期占位符 6">
             <a:extLst>
               <a:ext uri="{FF2B5EF4-FFF2-40B4-BE49-F238E27FC236}">
-                <a16:creationId xmlns:a16="http://schemas.microsoft.com/office/drawing/2014/main" id="{F1C7694B-66A7-BC3B-9E73-9B989D10597D}"/>
+                <a16:creationId xmlns:a16="http://schemas.microsoft.com/office/drawing/2014/main" id="{A114124B-362F-5D54-CE7C-CE8A453934DC}"/>
               </a:ext>
             </a:extLst>
           </p:cNvPr>
@@ -1808,7 +1808,7 @@
           <a:bodyPr/>
           <a:lstStyle/>
           <a:p>
-            <a:fld id="{27B41A6C-3389-4955-A1BD-EB655B8EADE2}" type="datetimeFigureOut">
+            <a:fld id="{A10F2EDF-836E-4870-B06D-7D9B295EE696}" type="datetimeFigureOut">
               <a:rPr lang="zh-CN" altLang="en-US" smtClean="0"/>
               <a:t>2024/3/10</a:t>
             </a:fld>
@@ -1821,7 +1821,7 @@
           <p:cNvPr id="8" name="页脚占位符 7">
             <a:extLst>
               <a:ext uri="{FF2B5EF4-FFF2-40B4-BE49-F238E27FC236}">
-                <a16:creationId xmlns:a16="http://schemas.microsoft.com/office/drawing/2014/main" id="{1EFE7442-10E2-E969-BDE1-2005E09C3F8F}"/>
+                <a16:creationId xmlns:a16="http://schemas.microsoft.com/office/drawing/2014/main" id="{4EF22C39-2B8F-1924-B3E2-270BA2CDB241}"/>
               </a:ext>
             </a:extLst>
           </p:cNvPr>
@@ -1846,7 +1846,7 @@
           <p:cNvPr id="9" name="灯片编号占位符 8">
             <a:extLst>
               <a:ext uri="{FF2B5EF4-FFF2-40B4-BE49-F238E27FC236}">
-                <a16:creationId xmlns:a16="http://schemas.microsoft.com/office/drawing/2014/main" id="{F006C4F6-DB0D-511B-F534-AA0B5FA9923C}"/>
+                <a16:creationId xmlns:a16="http://schemas.microsoft.com/office/drawing/2014/main" id="{E08DD85E-7ADE-E5C8-F05A-8EA23AA07F09}"/>
               </a:ext>
             </a:extLst>
           </p:cNvPr>
@@ -1862,7 +1862,7 @@
           <a:bodyPr/>
           <a:lstStyle/>
           <a:p>
-            <a:fld id="{3F7A0394-FAE5-44B0-90EB-4788D6D368E5}" type="slidenum">
+            <a:fld id="{F1EAE4AF-1E6F-431A-BB04-AEC22996E8EF}" type="slidenum">
               <a:rPr lang="zh-CN" altLang="en-US" smtClean="0"/>
               <a:t>‹#›</a:t>
             </a:fld>
@@ -1873,7 +1873,7 @@
     </p:spTree>
     <p:extLst>
       <p:ext uri="{BB962C8B-B14F-4D97-AF65-F5344CB8AC3E}">
-        <p14:creationId xmlns:p14="http://schemas.microsoft.com/office/powerpoint/2010/main" val="4046191440"/>
+        <p14:creationId xmlns:p14="http://schemas.microsoft.com/office/powerpoint/2010/main" val="2719987940"/>
       </p:ext>
     </p:extLst>
   </p:cSld>
@@ -1905,7 +1905,7 @@
           <p:cNvPr id="2" name="标题 1">
             <a:extLst>
               <a:ext uri="{FF2B5EF4-FFF2-40B4-BE49-F238E27FC236}">
-                <a16:creationId xmlns:a16="http://schemas.microsoft.com/office/drawing/2014/main" id="{05B1F5FC-447C-28E6-3104-AEE163513D0A}"/>
+                <a16:creationId xmlns:a16="http://schemas.microsoft.com/office/drawing/2014/main" id="{88BFF0C7-ADA9-2E08-F999-F7B047FC07C5}"/>
               </a:ext>
             </a:extLst>
           </p:cNvPr>
@@ -1933,7 +1933,7 @@
           <p:cNvPr id="3" name="日期占位符 2">
             <a:extLst>
               <a:ext uri="{FF2B5EF4-FFF2-40B4-BE49-F238E27FC236}">
-                <a16:creationId xmlns:a16="http://schemas.microsoft.com/office/drawing/2014/main" id="{CF8D58EC-A76A-921F-837D-AF9951AD7F4A}"/>
+                <a16:creationId xmlns:a16="http://schemas.microsoft.com/office/drawing/2014/main" id="{8B5887DF-654D-B5FC-0B66-D9A1829C7916}"/>
               </a:ext>
             </a:extLst>
           </p:cNvPr>
@@ -1949,7 +1949,7 @@
           <a:bodyPr/>
           <a:lstStyle/>
           <a:p>
-            <a:fld id="{27B41A6C-3389-4955-A1BD-EB655B8EADE2}" type="datetimeFigureOut">
+            <a:fld id="{A10F2EDF-836E-4870-B06D-7D9B295EE696}" type="datetimeFigureOut">
               <a:rPr lang="zh-CN" altLang="en-US" smtClean="0"/>
               <a:t>2024/3/10</a:t>
             </a:fld>
@@ -1962,7 +1962,7 @@
           <p:cNvPr id="4" name="页脚占位符 3">
             <a:extLst>
               <a:ext uri="{FF2B5EF4-FFF2-40B4-BE49-F238E27FC236}">
-                <a16:creationId xmlns:a16="http://schemas.microsoft.com/office/drawing/2014/main" id="{7C97DB88-875D-C0F0-1A0E-1B515B5716FD}"/>
+                <a16:creationId xmlns:a16="http://schemas.microsoft.com/office/drawing/2014/main" id="{A7ECF96B-1ECC-D2A4-7C03-6BF537333EB4}"/>
               </a:ext>
             </a:extLst>
           </p:cNvPr>
@@ -1987,7 +1987,7 @@
           <p:cNvPr id="5" name="灯片编号占位符 4">
             <a:extLst>
               <a:ext uri="{FF2B5EF4-FFF2-40B4-BE49-F238E27FC236}">
-                <a16:creationId xmlns:a16="http://schemas.microsoft.com/office/drawing/2014/main" id="{2F333D27-D0C6-72C7-B547-A7F7A1319355}"/>
+                <a16:creationId xmlns:a16="http://schemas.microsoft.com/office/drawing/2014/main" id="{029CA314-61D3-C987-8CD4-3F18640BAA25}"/>
               </a:ext>
             </a:extLst>
           </p:cNvPr>
@@ -2003,7 +2003,7 @@
           <a:bodyPr/>
           <a:lstStyle/>
           <a:p>
-            <a:fld id="{3F7A0394-FAE5-44B0-90EB-4788D6D368E5}" type="slidenum">
+            <a:fld id="{F1EAE4AF-1E6F-431A-BB04-AEC22996E8EF}" type="slidenum">
               <a:rPr lang="zh-CN" altLang="en-US" smtClean="0"/>
               <a:t>‹#›</a:t>
             </a:fld>
@@ -2014,7 +2014,7 @@
     </p:spTree>
     <p:extLst>
       <p:ext uri="{BB962C8B-B14F-4D97-AF65-F5344CB8AC3E}">
-        <p14:creationId xmlns:p14="http://schemas.microsoft.com/office/powerpoint/2010/main" val="3728649477"/>
+        <p14:creationId xmlns:p14="http://schemas.microsoft.com/office/powerpoint/2010/main" val="1538331895"/>
       </p:ext>
     </p:extLst>
   </p:cSld>
@@ -2046,7 +2046,7 @@
           <p:cNvPr id="2" name="日期占位符 1">
             <a:extLst>
               <a:ext uri="{FF2B5EF4-FFF2-40B4-BE49-F238E27FC236}">
-                <a16:creationId xmlns:a16="http://schemas.microsoft.com/office/drawing/2014/main" id="{72344DCA-A010-0C15-77BD-5EAE827B54D0}"/>
+                <a16:creationId xmlns:a16="http://schemas.microsoft.com/office/drawing/2014/main" id="{1CE1BBE0-56AC-1666-DFAE-10F74E371C84}"/>
               </a:ext>
             </a:extLst>
           </p:cNvPr>
@@ -2062,7 +2062,7 @@
           <a:bodyPr/>
           <a:lstStyle/>
           <a:p>
-            <a:fld id="{27B41A6C-3389-4955-A1BD-EB655B8EADE2}" type="datetimeFigureOut">
+            <a:fld id="{A10F2EDF-836E-4870-B06D-7D9B295EE696}" type="datetimeFigureOut">
               <a:rPr lang="zh-CN" altLang="en-US" smtClean="0"/>
               <a:t>2024/3/10</a:t>
             </a:fld>
@@ -2075,7 +2075,7 @@
           <p:cNvPr id="3" name="页脚占位符 2">
             <a:extLst>
               <a:ext uri="{FF2B5EF4-FFF2-40B4-BE49-F238E27FC236}">
-                <a16:creationId xmlns:a16="http://schemas.microsoft.com/office/drawing/2014/main" id="{F1512F00-C9FA-804A-C991-F0FE52B60943}"/>
+                <a16:creationId xmlns:a16="http://schemas.microsoft.com/office/drawing/2014/main" id="{FDE05CC0-255E-C326-E4BE-78F770A63D11}"/>
               </a:ext>
             </a:extLst>
           </p:cNvPr>
@@ -2100,7 +2100,7 @@
           <p:cNvPr id="4" name="灯片编号占位符 3">
             <a:extLst>
               <a:ext uri="{FF2B5EF4-FFF2-40B4-BE49-F238E27FC236}">
-                <a16:creationId xmlns:a16="http://schemas.microsoft.com/office/drawing/2014/main" id="{D60DC4AF-00E5-BB64-30E3-6EADE4C8FBF7}"/>
+                <a16:creationId xmlns:a16="http://schemas.microsoft.com/office/drawing/2014/main" id="{CF63C3DD-19DB-C362-7889-07C38CC7F831}"/>
               </a:ext>
             </a:extLst>
           </p:cNvPr>
@@ -2116,7 +2116,7 @@
           <a:bodyPr/>
           <a:lstStyle/>
           <a:p>
-            <a:fld id="{3F7A0394-FAE5-44B0-90EB-4788D6D368E5}" type="slidenum">
+            <a:fld id="{F1EAE4AF-1E6F-431A-BB04-AEC22996E8EF}" type="slidenum">
               <a:rPr lang="zh-CN" altLang="en-US" smtClean="0"/>
               <a:t>‹#›</a:t>
             </a:fld>
@@ -2127,7 +2127,7 @@
     </p:spTree>
     <p:extLst>
       <p:ext uri="{BB962C8B-B14F-4D97-AF65-F5344CB8AC3E}">
-        <p14:creationId xmlns:p14="http://schemas.microsoft.com/office/powerpoint/2010/main" val="4102604696"/>
+        <p14:creationId xmlns:p14="http://schemas.microsoft.com/office/powerpoint/2010/main" val="254401260"/>
       </p:ext>
     </p:extLst>
   </p:cSld>
@@ -2159,7 +2159,7 @@
           <p:cNvPr id="2" name="标题 1">
             <a:extLst>
               <a:ext uri="{FF2B5EF4-FFF2-40B4-BE49-F238E27FC236}">
-                <a16:creationId xmlns:a16="http://schemas.microsoft.com/office/drawing/2014/main" id="{877D54DD-9213-D5F3-9736-F7CF80EE1493}"/>
+                <a16:creationId xmlns:a16="http://schemas.microsoft.com/office/drawing/2014/main" id="{43EAC3C0-EAEC-414D-1299-D15523812DC7}"/>
               </a:ext>
             </a:extLst>
           </p:cNvPr>
@@ -2196,7 +2196,7 @@
           <p:cNvPr id="3" name="内容占位符 2">
             <a:extLst>
               <a:ext uri="{FF2B5EF4-FFF2-40B4-BE49-F238E27FC236}">
-                <a16:creationId xmlns:a16="http://schemas.microsoft.com/office/drawing/2014/main" id="{F3051123-9643-3947-DE03-6D9B1803A846}"/>
+                <a16:creationId xmlns:a16="http://schemas.microsoft.com/office/drawing/2014/main" id="{57DF284A-B67E-2F43-AD55-3FA70404446B}"/>
               </a:ext>
             </a:extLst>
           </p:cNvPr>
@@ -2286,7 +2286,7 @@
           <p:cNvPr id="4" name="文本占位符 3">
             <a:extLst>
               <a:ext uri="{FF2B5EF4-FFF2-40B4-BE49-F238E27FC236}">
-                <a16:creationId xmlns:a16="http://schemas.microsoft.com/office/drawing/2014/main" id="{36CE2F94-6580-2642-CB47-540078AC90BA}"/>
+                <a16:creationId xmlns:a16="http://schemas.microsoft.com/office/drawing/2014/main" id="{AA522BE2-0346-D550-E059-7229A810EF87}"/>
               </a:ext>
             </a:extLst>
           </p:cNvPr>
@@ -2357,7 +2357,7 @@
           <p:cNvPr id="5" name="日期占位符 4">
             <a:extLst>
               <a:ext uri="{FF2B5EF4-FFF2-40B4-BE49-F238E27FC236}">
-                <a16:creationId xmlns:a16="http://schemas.microsoft.com/office/drawing/2014/main" id="{E9EC64B2-CE07-76D8-75F2-A281A65B7140}"/>
+                <a16:creationId xmlns:a16="http://schemas.microsoft.com/office/drawing/2014/main" id="{05D6BFC1-1E64-3B8A-AF74-70DD0BAEE4B3}"/>
               </a:ext>
             </a:extLst>
           </p:cNvPr>
@@ -2373,7 +2373,7 @@
           <a:bodyPr/>
           <a:lstStyle/>
           <a:p>
-            <a:fld id="{27B41A6C-3389-4955-A1BD-EB655B8EADE2}" type="datetimeFigureOut">
+            <a:fld id="{A10F2EDF-836E-4870-B06D-7D9B295EE696}" type="datetimeFigureOut">
               <a:rPr lang="zh-CN" altLang="en-US" smtClean="0"/>
               <a:t>2024/3/10</a:t>
             </a:fld>
@@ -2386,7 +2386,7 @@
           <p:cNvPr id="6" name="页脚占位符 5">
             <a:extLst>
               <a:ext uri="{FF2B5EF4-FFF2-40B4-BE49-F238E27FC236}">
-                <a16:creationId xmlns:a16="http://schemas.microsoft.com/office/drawing/2014/main" id="{F4D88FEC-C390-9444-1E10-F7E3121F4DB0}"/>
+                <a16:creationId xmlns:a16="http://schemas.microsoft.com/office/drawing/2014/main" id="{9C09921D-6741-0779-533D-282F0CB4298F}"/>
               </a:ext>
             </a:extLst>
           </p:cNvPr>
@@ -2411,7 +2411,7 @@
           <p:cNvPr id="7" name="灯片编号占位符 6">
             <a:extLst>
               <a:ext uri="{FF2B5EF4-FFF2-40B4-BE49-F238E27FC236}">
-                <a16:creationId xmlns:a16="http://schemas.microsoft.com/office/drawing/2014/main" id="{F1C91252-3C15-CA38-2D7E-E969DACF5438}"/>
+                <a16:creationId xmlns:a16="http://schemas.microsoft.com/office/drawing/2014/main" id="{CA4DE396-0BAE-1A74-BCCF-E630D587B564}"/>
               </a:ext>
             </a:extLst>
           </p:cNvPr>
@@ -2427,7 +2427,7 @@
           <a:bodyPr/>
           <a:lstStyle/>
           <a:p>
-            <a:fld id="{3F7A0394-FAE5-44B0-90EB-4788D6D368E5}" type="slidenum">
+            <a:fld id="{F1EAE4AF-1E6F-431A-BB04-AEC22996E8EF}" type="slidenum">
               <a:rPr lang="zh-CN" altLang="en-US" smtClean="0"/>
               <a:t>‹#›</a:t>
             </a:fld>
@@ -2438,7 +2438,7 @@
     </p:spTree>
     <p:extLst>
       <p:ext uri="{BB962C8B-B14F-4D97-AF65-F5344CB8AC3E}">
-        <p14:creationId xmlns:p14="http://schemas.microsoft.com/office/powerpoint/2010/main" val="2210723059"/>
+        <p14:creationId xmlns:p14="http://schemas.microsoft.com/office/powerpoint/2010/main" val="2941786674"/>
       </p:ext>
     </p:extLst>
   </p:cSld>
@@ -2470,7 +2470,7 @@
           <p:cNvPr id="2" name="标题 1">
             <a:extLst>
               <a:ext uri="{FF2B5EF4-FFF2-40B4-BE49-F238E27FC236}">
-                <a16:creationId xmlns:a16="http://schemas.microsoft.com/office/drawing/2014/main" id="{AA160128-BF97-FD26-E1E1-EF51CE1FE11A}"/>
+                <a16:creationId xmlns:a16="http://schemas.microsoft.com/office/drawing/2014/main" id="{43960B78-A19A-75C7-05AC-EA9CD4F0531D}"/>
               </a:ext>
             </a:extLst>
           </p:cNvPr>
@@ -2507,7 +2507,7 @@
           <p:cNvPr id="3" name="图片占位符 2">
             <a:extLst>
               <a:ext uri="{FF2B5EF4-FFF2-40B4-BE49-F238E27FC236}">
-                <a16:creationId xmlns:a16="http://schemas.microsoft.com/office/drawing/2014/main" id="{CADF1682-043C-24E7-F730-7CE4D7CD8015}"/>
+                <a16:creationId xmlns:a16="http://schemas.microsoft.com/office/drawing/2014/main" id="{4F964CB9-0056-34A1-18A0-837C298EB8CF}"/>
               </a:ext>
             </a:extLst>
           </p:cNvPr>
@@ -2574,7 +2574,7 @@
           <p:cNvPr id="4" name="文本占位符 3">
             <a:extLst>
               <a:ext uri="{FF2B5EF4-FFF2-40B4-BE49-F238E27FC236}">
-                <a16:creationId xmlns:a16="http://schemas.microsoft.com/office/drawing/2014/main" id="{2273A400-9A93-74EA-A070-A3A978BCD335}"/>
+                <a16:creationId xmlns:a16="http://schemas.microsoft.com/office/drawing/2014/main" id="{AFC95259-5A4D-93D2-3D5D-2E837CEA41BA}"/>
               </a:ext>
             </a:extLst>
           </p:cNvPr>
@@ -2645,7 +2645,7 @@
           <p:cNvPr id="5" name="日期占位符 4">
             <a:extLst>
               <a:ext uri="{FF2B5EF4-FFF2-40B4-BE49-F238E27FC236}">
-                <a16:creationId xmlns:a16="http://schemas.microsoft.com/office/drawing/2014/main" id="{787A8E6D-4C98-D6A0-EA78-EF3ED7E44DE1}"/>
+                <a16:creationId xmlns:a16="http://schemas.microsoft.com/office/drawing/2014/main" id="{8718AEDB-4D2D-30A6-13C1-94D9BCCEC88F}"/>
               </a:ext>
             </a:extLst>
           </p:cNvPr>
@@ -2661,7 +2661,7 @@
           <a:bodyPr/>
           <a:lstStyle/>
           <a:p>
-            <a:fld id="{27B41A6C-3389-4955-A1BD-EB655B8EADE2}" type="datetimeFigureOut">
+            <a:fld id="{A10F2EDF-836E-4870-B06D-7D9B295EE696}" type="datetimeFigureOut">
               <a:rPr lang="zh-CN" altLang="en-US" smtClean="0"/>
               <a:t>2024/3/10</a:t>
             </a:fld>
@@ -2674,7 +2674,7 @@
           <p:cNvPr id="6" name="页脚占位符 5">
             <a:extLst>
               <a:ext uri="{FF2B5EF4-FFF2-40B4-BE49-F238E27FC236}">
-                <a16:creationId xmlns:a16="http://schemas.microsoft.com/office/drawing/2014/main" id="{363286AD-794D-1DD1-E2F5-B054335DF24B}"/>
+                <a16:creationId xmlns:a16="http://schemas.microsoft.com/office/drawing/2014/main" id="{2521994E-EC43-838D-DA81-531A64FE473F}"/>
               </a:ext>
             </a:extLst>
           </p:cNvPr>
@@ -2699,7 +2699,7 @@
           <p:cNvPr id="7" name="灯片编号占位符 6">
             <a:extLst>
               <a:ext uri="{FF2B5EF4-FFF2-40B4-BE49-F238E27FC236}">
-                <a16:creationId xmlns:a16="http://schemas.microsoft.com/office/drawing/2014/main" id="{4AA1F11F-CC7A-2612-1E0A-7BAAEB70AA7C}"/>
+                <a16:creationId xmlns:a16="http://schemas.microsoft.com/office/drawing/2014/main" id="{CCCD69FB-87F0-94CA-CE56-FD3A6DF6705C}"/>
               </a:ext>
             </a:extLst>
           </p:cNvPr>
@@ -2715,7 +2715,7 @@
           <a:bodyPr/>
           <a:lstStyle/>
           <a:p>
-            <a:fld id="{3F7A0394-FAE5-44B0-90EB-4788D6D368E5}" type="slidenum">
+            <a:fld id="{F1EAE4AF-1E6F-431A-BB04-AEC22996E8EF}" type="slidenum">
               <a:rPr lang="zh-CN" altLang="en-US" smtClean="0"/>
               <a:t>‹#›</a:t>
             </a:fld>
@@ -2726,7 +2726,7 @@
     </p:spTree>
     <p:extLst>
       <p:ext uri="{BB962C8B-B14F-4D97-AF65-F5344CB8AC3E}">
-        <p14:creationId xmlns:p14="http://schemas.microsoft.com/office/powerpoint/2010/main" val="2693278116"/>
+        <p14:creationId xmlns:p14="http://schemas.microsoft.com/office/powerpoint/2010/main" val="2416861417"/>
       </p:ext>
     </p:extLst>
   </p:cSld>
@@ -2763,7 +2763,7 @@
           <p:cNvPr id="2" name="标题占位符 1">
             <a:extLst>
               <a:ext uri="{FF2B5EF4-FFF2-40B4-BE49-F238E27FC236}">
-                <a16:creationId xmlns:a16="http://schemas.microsoft.com/office/drawing/2014/main" id="{53DC6243-3580-5817-D53A-20D727E0FD91}"/>
+                <a16:creationId xmlns:a16="http://schemas.microsoft.com/office/drawing/2014/main" id="{EC7222D2-5EC0-7B5E-D5DD-3AFBF2BBF3BA}"/>
               </a:ext>
             </a:extLst>
           </p:cNvPr>
@@ -2801,7 +2801,7 @@
           <p:cNvPr id="3" name="文本占位符 2">
             <a:extLst>
               <a:ext uri="{FF2B5EF4-FFF2-40B4-BE49-F238E27FC236}">
-                <a16:creationId xmlns:a16="http://schemas.microsoft.com/office/drawing/2014/main" id="{DCB944C6-129D-72D9-4B7A-2CB30292A7A4}"/>
+                <a16:creationId xmlns:a16="http://schemas.microsoft.com/office/drawing/2014/main" id="{A04E8F61-819C-0F41-8218-2B9F47A9E09E}"/>
               </a:ext>
             </a:extLst>
           </p:cNvPr>
@@ -2868,7 +2868,7 @@
           <p:cNvPr id="4" name="日期占位符 3">
             <a:extLst>
               <a:ext uri="{FF2B5EF4-FFF2-40B4-BE49-F238E27FC236}">
-                <a16:creationId xmlns:a16="http://schemas.microsoft.com/office/drawing/2014/main" id="{9C06C162-42A8-CA14-5BB1-22D30DED7069}"/>
+                <a16:creationId xmlns:a16="http://schemas.microsoft.com/office/drawing/2014/main" id="{EE2EF346-225F-0286-C7A4-14A145A5EFEC}"/>
               </a:ext>
             </a:extLst>
           </p:cNvPr>
@@ -2902,7 +2902,7 @@
             </a:lvl1pPr>
           </a:lstStyle>
           <a:p>
-            <a:fld id="{27B41A6C-3389-4955-A1BD-EB655B8EADE2}" type="datetimeFigureOut">
+            <a:fld id="{A10F2EDF-836E-4870-B06D-7D9B295EE696}" type="datetimeFigureOut">
               <a:rPr lang="zh-CN" altLang="en-US" smtClean="0"/>
               <a:t>2024/3/10</a:t>
             </a:fld>
@@ -2915,7 +2915,7 @@
           <p:cNvPr id="5" name="页脚占位符 4">
             <a:extLst>
               <a:ext uri="{FF2B5EF4-FFF2-40B4-BE49-F238E27FC236}">
-                <a16:creationId xmlns:a16="http://schemas.microsoft.com/office/drawing/2014/main" id="{05DA1259-840F-C22F-7532-070478DC9C36}"/>
+                <a16:creationId xmlns:a16="http://schemas.microsoft.com/office/drawing/2014/main" id="{9F570858-1066-71A6-D3D7-90C1EEFED302}"/>
               </a:ext>
             </a:extLst>
           </p:cNvPr>
@@ -2958,7 +2958,7 @@
           <p:cNvPr id="6" name="灯片编号占位符 5">
             <a:extLst>
               <a:ext uri="{FF2B5EF4-FFF2-40B4-BE49-F238E27FC236}">
-                <a16:creationId xmlns:a16="http://schemas.microsoft.com/office/drawing/2014/main" id="{5E429039-607E-457D-EAB8-3151FE58E309}"/>
+                <a16:creationId xmlns:a16="http://schemas.microsoft.com/office/drawing/2014/main" id="{8BBE2B38-95C2-34CC-393A-EE65220DC7C2}"/>
               </a:ext>
             </a:extLst>
           </p:cNvPr>
@@ -2992,7 +2992,7 @@
             </a:lvl1pPr>
           </a:lstStyle>
           <a:p>
-            <a:fld id="{3F7A0394-FAE5-44B0-90EB-4788D6D368E5}" type="slidenum">
+            <a:fld id="{F1EAE4AF-1E6F-431A-BB04-AEC22996E8EF}" type="slidenum">
               <a:rPr lang="zh-CN" altLang="en-US" smtClean="0"/>
               <a:t>‹#›</a:t>
             </a:fld>
@@ -3003,7 +3003,7 @@
     </p:spTree>
     <p:extLst>
       <p:ext uri="{BB962C8B-B14F-4D97-AF65-F5344CB8AC3E}">
-        <p14:creationId xmlns:p14="http://schemas.microsoft.com/office/powerpoint/2010/main" val="2052072017"/>
+        <p14:creationId xmlns:p14="http://schemas.microsoft.com/office/powerpoint/2010/main" val="3597474144"/>
       </p:ext>
     </p:extLst>
   </p:cSld>
